--- a/User Templates & Instructions/Banner Template - Lumens Home Page.pptx
+++ b/User Templates & Instructions/Banner Template - Lumens Home Page.pptx
@@ -2,13 +2,14 @@
 <file path=ppt/presentation.xml><?xml version="1.0" encoding="utf-8"?>
 <p:presentation xmlns:a="http://schemas.openxmlformats.org/drawingml/2006/main" xmlns:r="http://schemas.openxmlformats.org/officeDocument/2006/relationships" xmlns:p="http://schemas.openxmlformats.org/presentationml/2006/main" saveSubsetFonts="1" autoCompressPictures="0">
   <p:sldMasterIdLst>
-    <p:sldMasterId id="2147483660" r:id="rId1"/>
+    <p:sldMasterId id="2147483672" r:id="rId1"/>
   </p:sldMasterIdLst>
   <p:sldIdLst>
     <p:sldId id="256" r:id="rId2"/>
     <p:sldId id="257" r:id="rId3"/>
+    <p:sldId id="258" r:id="rId4"/>
   </p:sldIdLst>
-  <p:sldSz cx="16514763" cy="7123113"/>
+  <p:sldSz cx="16514763" cy="9144000"/>
   <p:notesSz cx="6858000" cy="9144000"/>
   <p:defaultTextStyle>
     <a:defPPr>
@@ -142,15 +143,15 @@
         </p:nvSpPr>
         <p:spPr>
           <a:xfrm>
-            <a:off x="2064346" y="1165751"/>
-            <a:ext cx="12386072" cy="2479899"/>
+            <a:off x="2064346" y="1496484"/>
+            <a:ext cx="12386072" cy="3183467"/>
           </a:xfrm>
         </p:spPr>
         <p:txBody>
           <a:bodyPr anchor="b"/>
           <a:lstStyle>
             <a:lvl1pPr algn="ctr">
-              <a:defRPr sz="6232"/>
+              <a:defRPr sz="8000"/>
             </a:lvl1pPr>
           </a:lstStyle>
           <a:p>
@@ -174,8 +175,8 @@
         </p:nvSpPr>
         <p:spPr>
           <a:xfrm>
-            <a:off x="2064346" y="3741284"/>
-            <a:ext cx="12386072" cy="1719770"/>
+            <a:off x="2064346" y="4802717"/>
+            <a:ext cx="12386072" cy="2207683"/>
           </a:xfrm>
         </p:spPr>
         <p:txBody>
@@ -183,39 +184,39 @@
           <a:lstStyle>
             <a:lvl1pPr marL="0" indent="0" algn="ctr">
               <a:buNone/>
-              <a:defRPr sz="2493"/>
+              <a:defRPr sz="3200"/>
             </a:lvl1pPr>
-            <a:lvl2pPr marL="474894" indent="0" algn="ctr">
-              <a:buNone/>
-              <a:defRPr sz="2077"/>
+            <a:lvl2pPr marL="609585" indent="0" algn="ctr">
+              <a:buNone/>
+              <a:defRPr sz="2667"/>
             </a:lvl2pPr>
-            <a:lvl3pPr marL="949787" indent="0" algn="ctr">
-              <a:buNone/>
-              <a:defRPr sz="1870"/>
+            <a:lvl3pPr marL="1219170" indent="0" algn="ctr">
+              <a:buNone/>
+              <a:defRPr sz="2400"/>
             </a:lvl3pPr>
-            <a:lvl4pPr marL="1424681" indent="0" algn="ctr">
-              <a:buNone/>
-              <a:defRPr sz="1662"/>
+            <a:lvl4pPr marL="1828754" indent="0" algn="ctr">
+              <a:buNone/>
+              <a:defRPr sz="2133"/>
             </a:lvl4pPr>
-            <a:lvl5pPr marL="1899575" indent="0" algn="ctr">
-              <a:buNone/>
-              <a:defRPr sz="1662"/>
+            <a:lvl5pPr marL="2438339" indent="0" algn="ctr">
+              <a:buNone/>
+              <a:defRPr sz="2133"/>
             </a:lvl5pPr>
-            <a:lvl6pPr marL="2374468" indent="0" algn="ctr">
-              <a:buNone/>
-              <a:defRPr sz="1662"/>
+            <a:lvl6pPr marL="3047924" indent="0" algn="ctr">
+              <a:buNone/>
+              <a:defRPr sz="2133"/>
             </a:lvl6pPr>
-            <a:lvl7pPr marL="2849362" indent="0" algn="ctr">
-              <a:buNone/>
-              <a:defRPr sz="1662"/>
+            <a:lvl7pPr marL="3657509" indent="0" algn="ctr">
+              <a:buNone/>
+              <a:defRPr sz="2133"/>
             </a:lvl7pPr>
-            <a:lvl8pPr marL="3324255" indent="0" algn="ctr">
-              <a:buNone/>
-              <a:defRPr sz="1662"/>
+            <a:lvl8pPr marL="4267093" indent="0" algn="ctr">
+              <a:buNone/>
+              <a:defRPr sz="2133"/>
             </a:lvl8pPr>
-            <a:lvl9pPr marL="3799149" indent="0" algn="ctr">
-              <a:buNone/>
-              <a:defRPr sz="1662"/>
+            <a:lvl9pPr marL="4876678" indent="0" algn="ctr">
+              <a:buNone/>
+              <a:defRPr sz="2133"/>
             </a:lvl9pPr>
           </a:lstStyle>
           <a:p>
@@ -244,7 +245,7 @@
           <a:p>
             <a:fld id="{79D72014-ED5A-4848-89AE-B578A4A570D4}" type="datetimeFigureOut">
               <a:rPr lang="en-US" smtClean="0"/>
-              <a:t>6/21/21</a:t>
+              <a:t>8/24/21</a:t>
             </a:fld>
             <a:endParaRPr lang="en-US"/>
           </a:p>
@@ -295,7 +296,7 @@
     </p:spTree>
     <p:extLst>
       <p:ext uri="{BB962C8B-B14F-4D97-AF65-F5344CB8AC3E}">
-        <p14:creationId xmlns:p14="http://schemas.microsoft.com/office/powerpoint/2010/main" val="582191658"/>
+        <p14:creationId xmlns:p14="http://schemas.microsoft.com/office/powerpoint/2010/main" val="88732280"/>
       </p:ext>
     </p:extLst>
   </p:cSld>
@@ -414,7 +415,7 @@
           <a:p>
             <a:fld id="{79D72014-ED5A-4848-89AE-B578A4A570D4}" type="datetimeFigureOut">
               <a:rPr lang="en-US" smtClean="0"/>
-              <a:t>6/21/21</a:t>
+              <a:t>8/24/21</a:t>
             </a:fld>
             <a:endParaRPr lang="en-US"/>
           </a:p>
@@ -465,7 +466,7 @@
     </p:spTree>
     <p:extLst>
       <p:ext uri="{BB962C8B-B14F-4D97-AF65-F5344CB8AC3E}">
-        <p14:creationId xmlns:p14="http://schemas.microsoft.com/office/powerpoint/2010/main" val="2584807238"/>
+        <p14:creationId xmlns:p14="http://schemas.microsoft.com/office/powerpoint/2010/main" val="2779240245"/>
       </p:ext>
     </p:extLst>
   </p:cSld>
@@ -504,8 +505,8 @@
         </p:nvSpPr>
         <p:spPr>
           <a:xfrm>
-            <a:off x="11818377" y="379240"/>
-            <a:ext cx="3560996" cy="6036509"/>
+            <a:off x="11818377" y="486834"/>
+            <a:ext cx="3560996" cy="7749117"/>
           </a:xfrm>
         </p:spPr>
         <p:txBody>
@@ -532,8 +533,8 @@
         </p:nvSpPr>
         <p:spPr>
           <a:xfrm>
-            <a:off x="1135390" y="379240"/>
-            <a:ext cx="10476553" cy="6036509"/>
+            <a:off x="1135390" y="486834"/>
+            <a:ext cx="10476553" cy="7749117"/>
           </a:xfrm>
         </p:spPr>
         <p:txBody>
@@ -594,7 +595,7 @@
           <a:p>
             <a:fld id="{79D72014-ED5A-4848-89AE-B578A4A570D4}" type="datetimeFigureOut">
               <a:rPr lang="en-US" smtClean="0"/>
-              <a:t>6/21/21</a:t>
+              <a:t>8/24/21</a:t>
             </a:fld>
             <a:endParaRPr lang="en-US"/>
           </a:p>
@@ -645,7 +646,7 @@
     </p:spTree>
     <p:extLst>
       <p:ext uri="{BB962C8B-B14F-4D97-AF65-F5344CB8AC3E}">
-        <p14:creationId xmlns:p14="http://schemas.microsoft.com/office/powerpoint/2010/main" val="831995124"/>
+        <p14:creationId xmlns:p14="http://schemas.microsoft.com/office/powerpoint/2010/main" val="1494806519"/>
       </p:ext>
     </p:extLst>
   </p:cSld>
@@ -764,7 +765,7 @@
           <a:p>
             <a:fld id="{79D72014-ED5A-4848-89AE-B578A4A570D4}" type="datetimeFigureOut">
               <a:rPr lang="en-US" smtClean="0"/>
-              <a:t>6/21/21</a:t>
+              <a:t>8/24/21</a:t>
             </a:fld>
             <a:endParaRPr lang="en-US"/>
           </a:p>
@@ -815,7 +816,7 @@
     </p:spTree>
     <p:extLst>
       <p:ext uri="{BB962C8B-B14F-4D97-AF65-F5344CB8AC3E}">
-        <p14:creationId xmlns:p14="http://schemas.microsoft.com/office/powerpoint/2010/main" val="1800814922"/>
+        <p14:creationId xmlns:p14="http://schemas.microsoft.com/office/powerpoint/2010/main" val="926676485"/>
       </p:ext>
     </p:extLst>
   </p:cSld>
@@ -854,15 +855,15 @@
         </p:nvSpPr>
         <p:spPr>
           <a:xfrm>
-            <a:off x="1126789" y="1775832"/>
-            <a:ext cx="14243983" cy="2963017"/>
+            <a:off x="1126789" y="2279652"/>
+            <a:ext cx="14243983" cy="3803649"/>
           </a:xfrm>
         </p:spPr>
         <p:txBody>
           <a:bodyPr anchor="b"/>
           <a:lstStyle>
             <a:lvl1pPr>
-              <a:defRPr sz="6232"/>
+              <a:defRPr sz="8000"/>
             </a:lvl1pPr>
           </a:lstStyle>
           <a:p>
@@ -886,8 +887,8 @@
         </p:nvSpPr>
         <p:spPr>
           <a:xfrm>
-            <a:off x="1126789" y="4766881"/>
-            <a:ext cx="14243983" cy="1558180"/>
+            <a:off x="1126789" y="6119285"/>
+            <a:ext cx="14243983" cy="2000249"/>
           </a:xfrm>
         </p:spPr>
         <p:txBody>
@@ -895,7 +896,7 @@
           <a:lstStyle>
             <a:lvl1pPr marL="0" indent="0">
               <a:buNone/>
-              <a:defRPr sz="2493">
+              <a:defRPr sz="3200">
                 <a:solidFill>
                   <a:schemeClr val="tx1">
                     <a:tint val="75000"/>
@@ -903,9 +904,9 @@
                 </a:solidFill>
               </a:defRPr>
             </a:lvl1pPr>
-            <a:lvl2pPr marL="474894" indent="0">
-              <a:buNone/>
-              <a:defRPr sz="2077">
+            <a:lvl2pPr marL="609585" indent="0">
+              <a:buNone/>
+              <a:defRPr sz="2667">
                 <a:solidFill>
                   <a:schemeClr val="tx1">
                     <a:tint val="75000"/>
@@ -913,9 +914,9 @@
                 </a:solidFill>
               </a:defRPr>
             </a:lvl2pPr>
-            <a:lvl3pPr marL="949787" indent="0">
-              <a:buNone/>
-              <a:defRPr sz="1870">
+            <a:lvl3pPr marL="1219170" indent="0">
+              <a:buNone/>
+              <a:defRPr sz="2400">
                 <a:solidFill>
                   <a:schemeClr val="tx1">
                     <a:tint val="75000"/>
@@ -923,9 +924,9 @@
                 </a:solidFill>
               </a:defRPr>
             </a:lvl3pPr>
-            <a:lvl4pPr marL="1424681" indent="0">
-              <a:buNone/>
-              <a:defRPr sz="1662">
+            <a:lvl4pPr marL="1828754" indent="0">
+              <a:buNone/>
+              <a:defRPr sz="2133">
                 <a:solidFill>
                   <a:schemeClr val="tx1">
                     <a:tint val="75000"/>
@@ -933,9 +934,9 @@
                 </a:solidFill>
               </a:defRPr>
             </a:lvl4pPr>
-            <a:lvl5pPr marL="1899575" indent="0">
-              <a:buNone/>
-              <a:defRPr sz="1662">
+            <a:lvl5pPr marL="2438339" indent="0">
+              <a:buNone/>
+              <a:defRPr sz="2133">
                 <a:solidFill>
                   <a:schemeClr val="tx1">
                     <a:tint val="75000"/>
@@ -943,9 +944,9 @@
                 </a:solidFill>
               </a:defRPr>
             </a:lvl5pPr>
-            <a:lvl6pPr marL="2374468" indent="0">
-              <a:buNone/>
-              <a:defRPr sz="1662">
+            <a:lvl6pPr marL="3047924" indent="0">
+              <a:buNone/>
+              <a:defRPr sz="2133">
                 <a:solidFill>
                   <a:schemeClr val="tx1">
                     <a:tint val="75000"/>
@@ -953,9 +954,9 @@
                 </a:solidFill>
               </a:defRPr>
             </a:lvl6pPr>
-            <a:lvl7pPr marL="2849362" indent="0">
-              <a:buNone/>
-              <a:defRPr sz="1662">
+            <a:lvl7pPr marL="3657509" indent="0">
+              <a:buNone/>
+              <a:defRPr sz="2133">
                 <a:solidFill>
                   <a:schemeClr val="tx1">
                     <a:tint val="75000"/>
@@ -963,9 +964,9 @@
                 </a:solidFill>
               </a:defRPr>
             </a:lvl7pPr>
-            <a:lvl8pPr marL="3324255" indent="0">
-              <a:buNone/>
-              <a:defRPr sz="1662">
+            <a:lvl8pPr marL="4267093" indent="0">
+              <a:buNone/>
+              <a:defRPr sz="2133">
                 <a:solidFill>
                   <a:schemeClr val="tx1">
                     <a:tint val="75000"/>
@@ -973,9 +974,9 @@
                 </a:solidFill>
               </a:defRPr>
             </a:lvl8pPr>
-            <a:lvl9pPr marL="3799149" indent="0">
-              <a:buNone/>
-              <a:defRPr sz="1662">
+            <a:lvl9pPr marL="4876678" indent="0">
+              <a:buNone/>
+              <a:defRPr sz="2133">
                 <a:solidFill>
                   <a:schemeClr val="tx1">
                     <a:tint val="75000"/>
@@ -1010,7 +1011,7 @@
           <a:p>
             <a:fld id="{79D72014-ED5A-4848-89AE-B578A4A570D4}" type="datetimeFigureOut">
               <a:rPr lang="en-US" smtClean="0"/>
-              <a:t>6/21/21</a:t>
+              <a:t>8/24/21</a:t>
             </a:fld>
             <a:endParaRPr lang="en-US"/>
           </a:p>
@@ -1061,7 +1062,7 @@
     </p:spTree>
     <p:extLst>
       <p:ext uri="{BB962C8B-B14F-4D97-AF65-F5344CB8AC3E}">
-        <p14:creationId xmlns:p14="http://schemas.microsoft.com/office/powerpoint/2010/main" val="3823724717"/>
+        <p14:creationId xmlns:p14="http://schemas.microsoft.com/office/powerpoint/2010/main" val="341136843"/>
       </p:ext>
     </p:extLst>
   </p:cSld>
@@ -1123,8 +1124,8 @@
         </p:nvSpPr>
         <p:spPr>
           <a:xfrm>
-            <a:off x="1135390" y="1896199"/>
-            <a:ext cx="7018774" cy="4519550"/>
+            <a:off x="1135390" y="2434167"/>
+            <a:ext cx="7018774" cy="5801784"/>
           </a:xfrm>
         </p:spPr>
         <p:txBody>
@@ -1180,8 +1181,8 @@
         </p:nvSpPr>
         <p:spPr>
           <a:xfrm>
-            <a:off x="8360599" y="1896199"/>
-            <a:ext cx="7018774" cy="4519550"/>
+            <a:off x="8360599" y="2434167"/>
+            <a:ext cx="7018774" cy="5801784"/>
           </a:xfrm>
         </p:spPr>
         <p:txBody>
@@ -1242,7 +1243,7 @@
           <a:p>
             <a:fld id="{79D72014-ED5A-4848-89AE-B578A4A570D4}" type="datetimeFigureOut">
               <a:rPr lang="en-US" smtClean="0"/>
-              <a:t>6/21/21</a:t>
+              <a:t>8/24/21</a:t>
             </a:fld>
             <a:endParaRPr lang="en-US"/>
           </a:p>
@@ -1293,7 +1294,7 @@
     </p:spTree>
     <p:extLst>
       <p:ext uri="{BB962C8B-B14F-4D97-AF65-F5344CB8AC3E}">
-        <p14:creationId xmlns:p14="http://schemas.microsoft.com/office/powerpoint/2010/main" val="138743598"/>
+        <p14:creationId xmlns:p14="http://schemas.microsoft.com/office/powerpoint/2010/main" val="1574046448"/>
       </p:ext>
     </p:extLst>
   </p:cSld>
@@ -1332,8 +1333,8 @@
         </p:nvSpPr>
         <p:spPr>
           <a:xfrm>
-            <a:off x="1137541" y="379240"/>
-            <a:ext cx="14243983" cy="1376806"/>
+            <a:off x="1137541" y="486834"/>
+            <a:ext cx="14243983" cy="1767417"/>
           </a:xfrm>
         </p:spPr>
         <p:txBody>
@@ -1360,8 +1361,8 @@
         </p:nvSpPr>
         <p:spPr>
           <a:xfrm>
-            <a:off x="1137542" y="1746153"/>
-            <a:ext cx="6986518" cy="855762"/>
+            <a:off x="1137542" y="2241551"/>
+            <a:ext cx="6986518" cy="1098549"/>
           </a:xfrm>
         </p:spPr>
         <p:txBody>
@@ -1369,39 +1370,39 @@
           <a:lstStyle>
             <a:lvl1pPr marL="0" indent="0">
               <a:buNone/>
-              <a:defRPr sz="2493" b="1"/>
+              <a:defRPr sz="3200" b="1"/>
             </a:lvl1pPr>
-            <a:lvl2pPr marL="474894" indent="0">
-              <a:buNone/>
-              <a:defRPr sz="2077" b="1"/>
+            <a:lvl2pPr marL="609585" indent="0">
+              <a:buNone/>
+              <a:defRPr sz="2667" b="1"/>
             </a:lvl2pPr>
-            <a:lvl3pPr marL="949787" indent="0">
-              <a:buNone/>
-              <a:defRPr sz="1870" b="1"/>
+            <a:lvl3pPr marL="1219170" indent="0">
+              <a:buNone/>
+              <a:defRPr sz="2400" b="1"/>
             </a:lvl3pPr>
-            <a:lvl4pPr marL="1424681" indent="0">
-              <a:buNone/>
-              <a:defRPr sz="1662" b="1"/>
+            <a:lvl4pPr marL="1828754" indent="0">
+              <a:buNone/>
+              <a:defRPr sz="2133" b="1"/>
             </a:lvl4pPr>
-            <a:lvl5pPr marL="1899575" indent="0">
-              <a:buNone/>
-              <a:defRPr sz="1662" b="1"/>
+            <a:lvl5pPr marL="2438339" indent="0">
+              <a:buNone/>
+              <a:defRPr sz="2133" b="1"/>
             </a:lvl5pPr>
-            <a:lvl6pPr marL="2374468" indent="0">
-              <a:buNone/>
-              <a:defRPr sz="1662" b="1"/>
+            <a:lvl6pPr marL="3047924" indent="0">
+              <a:buNone/>
+              <a:defRPr sz="2133" b="1"/>
             </a:lvl6pPr>
-            <a:lvl7pPr marL="2849362" indent="0">
-              <a:buNone/>
-              <a:defRPr sz="1662" b="1"/>
+            <a:lvl7pPr marL="3657509" indent="0">
+              <a:buNone/>
+              <a:defRPr sz="2133" b="1"/>
             </a:lvl7pPr>
-            <a:lvl8pPr marL="3324255" indent="0">
-              <a:buNone/>
-              <a:defRPr sz="1662" b="1"/>
+            <a:lvl8pPr marL="4267093" indent="0">
+              <a:buNone/>
+              <a:defRPr sz="2133" b="1"/>
             </a:lvl8pPr>
-            <a:lvl9pPr marL="3799149" indent="0">
-              <a:buNone/>
-              <a:defRPr sz="1662" b="1"/>
+            <a:lvl9pPr marL="4876678" indent="0">
+              <a:buNone/>
+              <a:defRPr sz="2133" b="1"/>
             </a:lvl9pPr>
           </a:lstStyle>
           <a:p>
@@ -1425,8 +1426,8 @@
         </p:nvSpPr>
         <p:spPr>
           <a:xfrm>
-            <a:off x="1137542" y="2601915"/>
-            <a:ext cx="6986518" cy="3827025"/>
+            <a:off x="1137542" y="3340100"/>
+            <a:ext cx="6986518" cy="4912784"/>
           </a:xfrm>
         </p:spPr>
         <p:txBody>
@@ -1482,8 +1483,8 @@
         </p:nvSpPr>
         <p:spPr>
           <a:xfrm>
-            <a:off x="8360599" y="1746153"/>
-            <a:ext cx="7020925" cy="855762"/>
+            <a:off x="8360599" y="2241551"/>
+            <a:ext cx="7020925" cy="1098549"/>
           </a:xfrm>
         </p:spPr>
         <p:txBody>
@@ -1491,39 +1492,39 @@
           <a:lstStyle>
             <a:lvl1pPr marL="0" indent="0">
               <a:buNone/>
-              <a:defRPr sz="2493" b="1"/>
+              <a:defRPr sz="3200" b="1"/>
             </a:lvl1pPr>
-            <a:lvl2pPr marL="474894" indent="0">
-              <a:buNone/>
-              <a:defRPr sz="2077" b="1"/>
+            <a:lvl2pPr marL="609585" indent="0">
+              <a:buNone/>
+              <a:defRPr sz="2667" b="1"/>
             </a:lvl2pPr>
-            <a:lvl3pPr marL="949787" indent="0">
-              <a:buNone/>
-              <a:defRPr sz="1870" b="1"/>
+            <a:lvl3pPr marL="1219170" indent="0">
+              <a:buNone/>
+              <a:defRPr sz="2400" b="1"/>
             </a:lvl3pPr>
-            <a:lvl4pPr marL="1424681" indent="0">
-              <a:buNone/>
-              <a:defRPr sz="1662" b="1"/>
+            <a:lvl4pPr marL="1828754" indent="0">
+              <a:buNone/>
+              <a:defRPr sz="2133" b="1"/>
             </a:lvl4pPr>
-            <a:lvl5pPr marL="1899575" indent="0">
-              <a:buNone/>
-              <a:defRPr sz="1662" b="1"/>
+            <a:lvl5pPr marL="2438339" indent="0">
+              <a:buNone/>
+              <a:defRPr sz="2133" b="1"/>
             </a:lvl5pPr>
-            <a:lvl6pPr marL="2374468" indent="0">
-              <a:buNone/>
-              <a:defRPr sz="1662" b="1"/>
+            <a:lvl6pPr marL="3047924" indent="0">
+              <a:buNone/>
+              <a:defRPr sz="2133" b="1"/>
             </a:lvl6pPr>
-            <a:lvl7pPr marL="2849362" indent="0">
-              <a:buNone/>
-              <a:defRPr sz="1662" b="1"/>
+            <a:lvl7pPr marL="3657509" indent="0">
+              <a:buNone/>
+              <a:defRPr sz="2133" b="1"/>
             </a:lvl7pPr>
-            <a:lvl8pPr marL="3324255" indent="0">
-              <a:buNone/>
-              <a:defRPr sz="1662" b="1"/>
+            <a:lvl8pPr marL="4267093" indent="0">
+              <a:buNone/>
+              <a:defRPr sz="2133" b="1"/>
             </a:lvl8pPr>
-            <a:lvl9pPr marL="3799149" indent="0">
-              <a:buNone/>
-              <a:defRPr sz="1662" b="1"/>
+            <a:lvl9pPr marL="4876678" indent="0">
+              <a:buNone/>
+              <a:defRPr sz="2133" b="1"/>
             </a:lvl9pPr>
           </a:lstStyle>
           <a:p>
@@ -1547,8 +1548,8 @@
         </p:nvSpPr>
         <p:spPr>
           <a:xfrm>
-            <a:off x="8360599" y="2601915"/>
-            <a:ext cx="7020925" cy="3827025"/>
+            <a:off x="8360599" y="3340100"/>
+            <a:ext cx="7020925" cy="4912784"/>
           </a:xfrm>
         </p:spPr>
         <p:txBody>
@@ -1609,7 +1610,7 @@
           <a:p>
             <a:fld id="{79D72014-ED5A-4848-89AE-B578A4A570D4}" type="datetimeFigureOut">
               <a:rPr lang="en-US" smtClean="0"/>
-              <a:t>6/21/21</a:t>
+              <a:t>8/24/21</a:t>
             </a:fld>
             <a:endParaRPr lang="en-US"/>
           </a:p>
@@ -1660,7 +1661,7 @@
     </p:spTree>
     <p:extLst>
       <p:ext uri="{BB962C8B-B14F-4D97-AF65-F5344CB8AC3E}">
-        <p14:creationId xmlns:p14="http://schemas.microsoft.com/office/powerpoint/2010/main" val="3072195824"/>
+        <p14:creationId xmlns:p14="http://schemas.microsoft.com/office/powerpoint/2010/main" val="3941185692"/>
       </p:ext>
     </p:extLst>
   </p:cSld>
@@ -1727,7 +1728,7 @@
           <a:p>
             <a:fld id="{79D72014-ED5A-4848-89AE-B578A4A570D4}" type="datetimeFigureOut">
               <a:rPr lang="en-US" smtClean="0"/>
-              <a:t>6/21/21</a:t>
+              <a:t>8/24/21</a:t>
             </a:fld>
             <a:endParaRPr lang="en-US"/>
           </a:p>
@@ -1778,7 +1779,7 @@
     </p:spTree>
     <p:extLst>
       <p:ext uri="{BB962C8B-B14F-4D97-AF65-F5344CB8AC3E}">
-        <p14:creationId xmlns:p14="http://schemas.microsoft.com/office/powerpoint/2010/main" val="3076851929"/>
+        <p14:creationId xmlns:p14="http://schemas.microsoft.com/office/powerpoint/2010/main" val="2929510095"/>
       </p:ext>
     </p:extLst>
   </p:cSld>
@@ -1822,7 +1823,7 @@
           <a:p>
             <a:fld id="{79D72014-ED5A-4848-89AE-B578A4A570D4}" type="datetimeFigureOut">
               <a:rPr lang="en-US" smtClean="0"/>
-              <a:t>6/21/21</a:t>
+              <a:t>8/24/21</a:t>
             </a:fld>
             <a:endParaRPr lang="en-US"/>
           </a:p>
@@ -1873,7 +1874,7 @@
     </p:spTree>
     <p:extLst>
       <p:ext uri="{BB962C8B-B14F-4D97-AF65-F5344CB8AC3E}">
-        <p14:creationId xmlns:p14="http://schemas.microsoft.com/office/powerpoint/2010/main" val="2186418469"/>
+        <p14:creationId xmlns:p14="http://schemas.microsoft.com/office/powerpoint/2010/main" val="612937535"/>
       </p:ext>
     </p:extLst>
   </p:cSld>
@@ -1912,15 +1913,15 @@
         </p:nvSpPr>
         <p:spPr>
           <a:xfrm>
-            <a:off x="1137542" y="474874"/>
-            <a:ext cx="5326440" cy="1662060"/>
+            <a:off x="1137542" y="609600"/>
+            <a:ext cx="5326440" cy="2133600"/>
           </a:xfrm>
         </p:spPr>
         <p:txBody>
           <a:bodyPr anchor="b"/>
           <a:lstStyle>
             <a:lvl1pPr>
-              <a:defRPr sz="3324"/>
+              <a:defRPr sz="4267"/>
             </a:lvl1pPr>
           </a:lstStyle>
           <a:p>
@@ -1944,39 +1945,39 @@
         </p:nvSpPr>
         <p:spPr>
           <a:xfrm>
-            <a:off x="7020925" y="1025597"/>
-            <a:ext cx="8360599" cy="5062027"/>
+            <a:off x="7020925" y="1316567"/>
+            <a:ext cx="8360599" cy="6498167"/>
           </a:xfrm>
         </p:spPr>
         <p:txBody>
           <a:bodyPr/>
           <a:lstStyle>
             <a:lvl1pPr>
-              <a:defRPr sz="3324"/>
+              <a:defRPr sz="4267"/>
             </a:lvl1pPr>
             <a:lvl2pPr>
-              <a:defRPr sz="2908"/>
+              <a:defRPr sz="3733"/>
             </a:lvl2pPr>
             <a:lvl3pPr>
-              <a:defRPr sz="2493"/>
+              <a:defRPr sz="3200"/>
             </a:lvl3pPr>
             <a:lvl4pPr>
-              <a:defRPr sz="2077"/>
+              <a:defRPr sz="2667"/>
             </a:lvl4pPr>
             <a:lvl5pPr>
-              <a:defRPr sz="2077"/>
+              <a:defRPr sz="2667"/>
             </a:lvl5pPr>
             <a:lvl6pPr>
-              <a:defRPr sz="2077"/>
+              <a:defRPr sz="2667"/>
             </a:lvl6pPr>
             <a:lvl7pPr>
-              <a:defRPr sz="2077"/>
+              <a:defRPr sz="2667"/>
             </a:lvl7pPr>
             <a:lvl8pPr>
-              <a:defRPr sz="2077"/>
+              <a:defRPr sz="2667"/>
             </a:lvl8pPr>
             <a:lvl9pPr>
-              <a:defRPr sz="2077"/>
+              <a:defRPr sz="2667"/>
             </a:lvl9pPr>
           </a:lstStyle>
           <a:p>
@@ -2029,8 +2030,8 @@
         </p:nvSpPr>
         <p:spPr>
           <a:xfrm>
-            <a:off x="1137542" y="2136934"/>
-            <a:ext cx="5326440" cy="3958934"/>
+            <a:off x="1137542" y="2743200"/>
+            <a:ext cx="5326440" cy="5082117"/>
           </a:xfrm>
         </p:spPr>
         <p:txBody>
@@ -2038,39 +2039,39 @@
           <a:lstStyle>
             <a:lvl1pPr marL="0" indent="0">
               <a:buNone/>
-              <a:defRPr sz="1662"/>
+              <a:defRPr sz="2133"/>
             </a:lvl1pPr>
-            <a:lvl2pPr marL="474894" indent="0">
-              <a:buNone/>
-              <a:defRPr sz="1454"/>
+            <a:lvl2pPr marL="609585" indent="0">
+              <a:buNone/>
+              <a:defRPr sz="1867"/>
             </a:lvl2pPr>
-            <a:lvl3pPr marL="949787" indent="0">
-              <a:buNone/>
-              <a:defRPr sz="1246"/>
+            <a:lvl3pPr marL="1219170" indent="0">
+              <a:buNone/>
+              <a:defRPr sz="1600"/>
             </a:lvl3pPr>
-            <a:lvl4pPr marL="1424681" indent="0">
-              <a:buNone/>
-              <a:defRPr sz="1039"/>
+            <a:lvl4pPr marL="1828754" indent="0">
+              <a:buNone/>
+              <a:defRPr sz="1333"/>
             </a:lvl4pPr>
-            <a:lvl5pPr marL="1899575" indent="0">
-              <a:buNone/>
-              <a:defRPr sz="1039"/>
+            <a:lvl5pPr marL="2438339" indent="0">
+              <a:buNone/>
+              <a:defRPr sz="1333"/>
             </a:lvl5pPr>
-            <a:lvl6pPr marL="2374468" indent="0">
-              <a:buNone/>
-              <a:defRPr sz="1039"/>
+            <a:lvl6pPr marL="3047924" indent="0">
+              <a:buNone/>
+              <a:defRPr sz="1333"/>
             </a:lvl6pPr>
-            <a:lvl7pPr marL="2849362" indent="0">
-              <a:buNone/>
-              <a:defRPr sz="1039"/>
+            <a:lvl7pPr marL="3657509" indent="0">
+              <a:buNone/>
+              <a:defRPr sz="1333"/>
             </a:lvl7pPr>
-            <a:lvl8pPr marL="3324255" indent="0">
-              <a:buNone/>
-              <a:defRPr sz="1039"/>
+            <a:lvl8pPr marL="4267093" indent="0">
+              <a:buNone/>
+              <a:defRPr sz="1333"/>
             </a:lvl8pPr>
-            <a:lvl9pPr marL="3799149" indent="0">
-              <a:buNone/>
-              <a:defRPr sz="1039"/>
+            <a:lvl9pPr marL="4876678" indent="0">
+              <a:buNone/>
+              <a:defRPr sz="1333"/>
             </a:lvl9pPr>
           </a:lstStyle>
           <a:p>
@@ -2099,7 +2100,7 @@
           <a:p>
             <a:fld id="{79D72014-ED5A-4848-89AE-B578A4A570D4}" type="datetimeFigureOut">
               <a:rPr lang="en-US" smtClean="0"/>
-              <a:t>6/21/21</a:t>
+              <a:t>8/24/21</a:t>
             </a:fld>
             <a:endParaRPr lang="en-US"/>
           </a:p>
@@ -2150,7 +2151,7 @@
     </p:spTree>
     <p:extLst>
       <p:ext uri="{BB962C8B-B14F-4D97-AF65-F5344CB8AC3E}">
-        <p14:creationId xmlns:p14="http://schemas.microsoft.com/office/powerpoint/2010/main" val="3362982583"/>
+        <p14:creationId xmlns:p14="http://schemas.microsoft.com/office/powerpoint/2010/main" val="1908182407"/>
       </p:ext>
     </p:extLst>
   </p:cSld>
@@ -2189,15 +2190,15 @@
         </p:nvSpPr>
         <p:spPr>
           <a:xfrm>
-            <a:off x="1137542" y="474874"/>
-            <a:ext cx="5326440" cy="1662060"/>
+            <a:off x="1137542" y="609600"/>
+            <a:ext cx="5326440" cy="2133600"/>
           </a:xfrm>
         </p:spPr>
         <p:txBody>
           <a:bodyPr anchor="b"/>
           <a:lstStyle>
             <a:lvl1pPr>
-              <a:defRPr sz="3324"/>
+              <a:defRPr sz="4267"/>
             </a:lvl1pPr>
           </a:lstStyle>
           <a:p>
@@ -2221,8 +2222,8 @@
         </p:nvSpPr>
         <p:spPr>
           <a:xfrm>
-            <a:off x="7020925" y="1025597"/>
-            <a:ext cx="8360599" cy="5062027"/>
+            <a:off x="7020925" y="1316567"/>
+            <a:ext cx="8360599" cy="6498167"/>
           </a:xfrm>
         </p:spPr>
         <p:txBody>
@@ -2230,39 +2231,39 @@
           <a:lstStyle>
             <a:lvl1pPr marL="0" indent="0">
               <a:buNone/>
-              <a:defRPr sz="3324"/>
+              <a:defRPr sz="4267"/>
             </a:lvl1pPr>
-            <a:lvl2pPr marL="474894" indent="0">
-              <a:buNone/>
-              <a:defRPr sz="2908"/>
+            <a:lvl2pPr marL="609585" indent="0">
+              <a:buNone/>
+              <a:defRPr sz="3733"/>
             </a:lvl2pPr>
-            <a:lvl3pPr marL="949787" indent="0">
-              <a:buNone/>
-              <a:defRPr sz="2493"/>
+            <a:lvl3pPr marL="1219170" indent="0">
+              <a:buNone/>
+              <a:defRPr sz="3200"/>
             </a:lvl3pPr>
-            <a:lvl4pPr marL="1424681" indent="0">
-              <a:buNone/>
-              <a:defRPr sz="2077"/>
+            <a:lvl4pPr marL="1828754" indent="0">
+              <a:buNone/>
+              <a:defRPr sz="2667"/>
             </a:lvl4pPr>
-            <a:lvl5pPr marL="1899575" indent="0">
-              <a:buNone/>
-              <a:defRPr sz="2077"/>
+            <a:lvl5pPr marL="2438339" indent="0">
+              <a:buNone/>
+              <a:defRPr sz="2667"/>
             </a:lvl5pPr>
-            <a:lvl6pPr marL="2374468" indent="0">
-              <a:buNone/>
-              <a:defRPr sz="2077"/>
+            <a:lvl6pPr marL="3047924" indent="0">
+              <a:buNone/>
+              <a:defRPr sz="2667"/>
             </a:lvl6pPr>
-            <a:lvl7pPr marL="2849362" indent="0">
-              <a:buNone/>
-              <a:defRPr sz="2077"/>
+            <a:lvl7pPr marL="3657509" indent="0">
+              <a:buNone/>
+              <a:defRPr sz="2667"/>
             </a:lvl7pPr>
-            <a:lvl8pPr marL="3324255" indent="0">
-              <a:buNone/>
-              <a:defRPr sz="2077"/>
+            <a:lvl8pPr marL="4267093" indent="0">
+              <a:buNone/>
+              <a:defRPr sz="2667"/>
             </a:lvl8pPr>
-            <a:lvl9pPr marL="3799149" indent="0">
-              <a:buNone/>
-              <a:defRPr sz="2077"/>
+            <a:lvl9pPr marL="4876678" indent="0">
+              <a:buNone/>
+              <a:defRPr sz="2667"/>
             </a:lvl9pPr>
           </a:lstStyle>
           <a:p>
@@ -2286,8 +2287,8 @@
         </p:nvSpPr>
         <p:spPr>
           <a:xfrm>
-            <a:off x="1137542" y="2136934"/>
-            <a:ext cx="5326440" cy="3958934"/>
+            <a:off x="1137542" y="2743200"/>
+            <a:ext cx="5326440" cy="5082117"/>
           </a:xfrm>
         </p:spPr>
         <p:txBody>
@@ -2295,39 +2296,39 @@
           <a:lstStyle>
             <a:lvl1pPr marL="0" indent="0">
               <a:buNone/>
-              <a:defRPr sz="1662"/>
+              <a:defRPr sz="2133"/>
             </a:lvl1pPr>
-            <a:lvl2pPr marL="474894" indent="0">
-              <a:buNone/>
-              <a:defRPr sz="1454"/>
+            <a:lvl2pPr marL="609585" indent="0">
+              <a:buNone/>
+              <a:defRPr sz="1867"/>
             </a:lvl2pPr>
-            <a:lvl3pPr marL="949787" indent="0">
-              <a:buNone/>
-              <a:defRPr sz="1246"/>
+            <a:lvl3pPr marL="1219170" indent="0">
+              <a:buNone/>
+              <a:defRPr sz="1600"/>
             </a:lvl3pPr>
-            <a:lvl4pPr marL="1424681" indent="0">
-              <a:buNone/>
-              <a:defRPr sz="1039"/>
+            <a:lvl4pPr marL="1828754" indent="0">
+              <a:buNone/>
+              <a:defRPr sz="1333"/>
             </a:lvl4pPr>
-            <a:lvl5pPr marL="1899575" indent="0">
-              <a:buNone/>
-              <a:defRPr sz="1039"/>
+            <a:lvl5pPr marL="2438339" indent="0">
+              <a:buNone/>
+              <a:defRPr sz="1333"/>
             </a:lvl5pPr>
-            <a:lvl6pPr marL="2374468" indent="0">
-              <a:buNone/>
-              <a:defRPr sz="1039"/>
+            <a:lvl6pPr marL="3047924" indent="0">
+              <a:buNone/>
+              <a:defRPr sz="1333"/>
             </a:lvl6pPr>
-            <a:lvl7pPr marL="2849362" indent="0">
-              <a:buNone/>
-              <a:defRPr sz="1039"/>
+            <a:lvl7pPr marL="3657509" indent="0">
+              <a:buNone/>
+              <a:defRPr sz="1333"/>
             </a:lvl7pPr>
-            <a:lvl8pPr marL="3324255" indent="0">
-              <a:buNone/>
-              <a:defRPr sz="1039"/>
+            <a:lvl8pPr marL="4267093" indent="0">
+              <a:buNone/>
+              <a:defRPr sz="1333"/>
             </a:lvl8pPr>
-            <a:lvl9pPr marL="3799149" indent="0">
-              <a:buNone/>
-              <a:defRPr sz="1039"/>
+            <a:lvl9pPr marL="4876678" indent="0">
+              <a:buNone/>
+              <a:defRPr sz="1333"/>
             </a:lvl9pPr>
           </a:lstStyle>
           <a:p>
@@ -2356,7 +2357,7 @@
           <a:p>
             <a:fld id="{79D72014-ED5A-4848-89AE-B578A4A570D4}" type="datetimeFigureOut">
               <a:rPr lang="en-US" smtClean="0"/>
-              <a:t>6/21/21</a:t>
+              <a:t>8/24/21</a:t>
             </a:fld>
             <a:endParaRPr lang="en-US"/>
           </a:p>
@@ -2407,7 +2408,7 @@
     </p:spTree>
     <p:extLst>
       <p:ext uri="{BB962C8B-B14F-4D97-AF65-F5344CB8AC3E}">
-        <p14:creationId xmlns:p14="http://schemas.microsoft.com/office/powerpoint/2010/main" val="3621363786"/>
+        <p14:creationId xmlns:p14="http://schemas.microsoft.com/office/powerpoint/2010/main" val="2316222911"/>
       </p:ext>
     </p:extLst>
   </p:cSld>
@@ -2451,8 +2452,8 @@
         </p:nvSpPr>
         <p:spPr>
           <a:xfrm>
-            <a:off x="1135390" y="379240"/>
-            <a:ext cx="14243983" cy="1376806"/>
+            <a:off x="1135390" y="486834"/>
+            <a:ext cx="14243983" cy="1767417"/>
           </a:xfrm>
           <a:prstGeom prst="rect">
             <a:avLst/>
@@ -2484,8 +2485,8 @@
         </p:nvSpPr>
         <p:spPr>
           <a:xfrm>
-            <a:off x="1135390" y="1896199"/>
-            <a:ext cx="14243983" cy="4519550"/>
+            <a:off x="1135390" y="2434167"/>
+            <a:ext cx="14243983" cy="5801784"/>
           </a:xfrm>
           <a:prstGeom prst="rect">
             <a:avLst/>
@@ -2546,8 +2547,8 @@
         </p:nvSpPr>
         <p:spPr>
           <a:xfrm>
-            <a:off x="1135390" y="6602071"/>
-            <a:ext cx="3715822" cy="379240"/>
+            <a:off x="1135390" y="8475134"/>
+            <a:ext cx="3715822" cy="486833"/>
           </a:xfrm>
           <a:prstGeom prst="rect">
             <a:avLst/>
@@ -2557,7 +2558,7 @@
           <a:bodyPr vert="horz" lIns="91440" tIns="45720" rIns="91440" bIns="45720" rtlCol="0" anchor="ctr"/>
           <a:lstStyle>
             <a:lvl1pPr algn="l">
-              <a:defRPr sz="1246">
+              <a:defRPr sz="1600">
                 <a:solidFill>
                   <a:schemeClr val="tx1">
                     <a:tint val="75000"/>
@@ -2569,7 +2570,7 @@
           <a:p>
             <a:fld id="{79D72014-ED5A-4848-89AE-B578A4A570D4}" type="datetimeFigureOut">
               <a:rPr lang="en-US" smtClean="0"/>
-              <a:t>6/21/21</a:t>
+              <a:t>8/24/21</a:t>
             </a:fld>
             <a:endParaRPr lang="en-US"/>
           </a:p>
@@ -2587,8 +2588,8 @@
         </p:nvSpPr>
         <p:spPr>
           <a:xfrm>
-            <a:off x="5470515" y="6602071"/>
-            <a:ext cx="5573733" cy="379240"/>
+            <a:off x="5470515" y="8475134"/>
+            <a:ext cx="5573733" cy="486833"/>
           </a:xfrm>
           <a:prstGeom prst="rect">
             <a:avLst/>
@@ -2598,7 +2599,7 @@
           <a:bodyPr vert="horz" lIns="91440" tIns="45720" rIns="91440" bIns="45720" rtlCol="0" anchor="ctr"/>
           <a:lstStyle>
             <a:lvl1pPr algn="ctr">
-              <a:defRPr sz="1246">
+              <a:defRPr sz="1600">
                 <a:solidFill>
                   <a:schemeClr val="tx1">
                     <a:tint val="75000"/>
@@ -2624,8 +2625,8 @@
         </p:nvSpPr>
         <p:spPr>
           <a:xfrm>
-            <a:off x="11663551" y="6602071"/>
-            <a:ext cx="3715822" cy="379240"/>
+            <a:off x="11663551" y="8475134"/>
+            <a:ext cx="3715822" cy="486833"/>
           </a:xfrm>
           <a:prstGeom prst="rect">
             <a:avLst/>
@@ -2635,7 +2636,7 @@
           <a:bodyPr vert="horz" lIns="91440" tIns="45720" rIns="91440" bIns="45720" rtlCol="0" anchor="ctr"/>
           <a:lstStyle>
             <a:lvl1pPr algn="r">
-              <a:defRPr sz="1246">
+              <a:defRPr sz="1600">
                 <a:solidFill>
                   <a:schemeClr val="tx1">
                     <a:tint val="75000"/>
@@ -2656,27 +2657,27 @@
     </p:spTree>
     <p:extLst>
       <p:ext uri="{BB962C8B-B14F-4D97-AF65-F5344CB8AC3E}">
-        <p14:creationId xmlns:p14="http://schemas.microsoft.com/office/powerpoint/2010/main" val="67971919"/>
+        <p14:creationId xmlns:p14="http://schemas.microsoft.com/office/powerpoint/2010/main" val="1709956113"/>
       </p:ext>
     </p:extLst>
   </p:cSld>
   <p:clrMap bg1="lt1" tx1="dk1" bg2="lt2" tx2="dk2" accent1="accent1" accent2="accent2" accent3="accent3" accent4="accent4" accent5="accent5" accent6="accent6" hlink="hlink" folHlink="folHlink"/>
   <p:sldLayoutIdLst>
-    <p:sldLayoutId id="2147483661" r:id="rId1"/>
-    <p:sldLayoutId id="2147483662" r:id="rId2"/>
-    <p:sldLayoutId id="2147483663" r:id="rId3"/>
-    <p:sldLayoutId id="2147483664" r:id="rId4"/>
-    <p:sldLayoutId id="2147483665" r:id="rId5"/>
-    <p:sldLayoutId id="2147483666" r:id="rId6"/>
-    <p:sldLayoutId id="2147483667" r:id="rId7"/>
-    <p:sldLayoutId id="2147483668" r:id="rId8"/>
-    <p:sldLayoutId id="2147483669" r:id="rId9"/>
-    <p:sldLayoutId id="2147483670" r:id="rId10"/>
-    <p:sldLayoutId id="2147483671" r:id="rId11"/>
+    <p:sldLayoutId id="2147483673" r:id="rId1"/>
+    <p:sldLayoutId id="2147483674" r:id="rId2"/>
+    <p:sldLayoutId id="2147483675" r:id="rId3"/>
+    <p:sldLayoutId id="2147483676" r:id="rId4"/>
+    <p:sldLayoutId id="2147483677" r:id="rId5"/>
+    <p:sldLayoutId id="2147483678" r:id="rId6"/>
+    <p:sldLayoutId id="2147483679" r:id="rId7"/>
+    <p:sldLayoutId id="2147483680" r:id="rId8"/>
+    <p:sldLayoutId id="2147483681" r:id="rId9"/>
+    <p:sldLayoutId id="2147483682" r:id="rId10"/>
+    <p:sldLayoutId id="2147483683" r:id="rId11"/>
   </p:sldLayoutIdLst>
   <p:txStyles>
     <p:titleStyle>
-      <a:lvl1pPr algn="l" defTabSz="949787" rtl="0" eaLnBrk="1" latinLnBrk="0" hangingPunct="1">
+      <a:lvl1pPr algn="l" defTabSz="1219170" rtl="0" eaLnBrk="1" latinLnBrk="0" hangingPunct="1">
         <a:lnSpc>
           <a:spcPct val="90000"/>
         </a:lnSpc>
@@ -2684,7 +2685,7 @@
           <a:spcPct val="0"/>
         </a:spcBef>
         <a:buNone/>
-        <a:defRPr sz="4570" kern="1200">
+        <a:defRPr sz="5867" kern="1200">
           <a:solidFill>
             <a:schemeClr val="tx1"/>
           </a:solidFill>
@@ -2695,16 +2696,16 @@
       </a:lvl1pPr>
     </p:titleStyle>
     <p:bodyStyle>
-      <a:lvl1pPr marL="237447" indent="-237447" algn="l" defTabSz="949787" rtl="0" eaLnBrk="1" latinLnBrk="0" hangingPunct="1">
+      <a:lvl1pPr marL="304792" indent="-304792" algn="l" defTabSz="1219170" rtl="0" eaLnBrk="1" latinLnBrk="0" hangingPunct="1">
         <a:lnSpc>
           <a:spcPct val="90000"/>
         </a:lnSpc>
         <a:spcBef>
-          <a:spcPts val="1039"/>
+          <a:spcPts val="1333"/>
         </a:spcBef>
         <a:buFont typeface="Arial" panose="020B0604020202020204" pitchFamily="34" charset="0"/>
         <a:buChar char="•"/>
-        <a:defRPr sz="2908" kern="1200">
+        <a:defRPr sz="3733" kern="1200">
           <a:solidFill>
             <a:schemeClr val="tx1"/>
           </a:solidFill>
@@ -2713,16 +2714,16 @@
           <a:cs typeface="+mn-cs"/>
         </a:defRPr>
       </a:lvl1pPr>
-      <a:lvl2pPr marL="712340" indent="-237447" algn="l" defTabSz="949787" rtl="0" eaLnBrk="1" latinLnBrk="0" hangingPunct="1">
+      <a:lvl2pPr marL="914377" indent="-304792" algn="l" defTabSz="1219170" rtl="0" eaLnBrk="1" latinLnBrk="0" hangingPunct="1">
         <a:lnSpc>
           <a:spcPct val="90000"/>
         </a:lnSpc>
         <a:spcBef>
-          <a:spcPts val="519"/>
+          <a:spcPts val="667"/>
         </a:spcBef>
         <a:buFont typeface="Arial" panose="020B0604020202020204" pitchFamily="34" charset="0"/>
         <a:buChar char="•"/>
-        <a:defRPr sz="2493" kern="1200">
+        <a:defRPr sz="3200" kern="1200">
           <a:solidFill>
             <a:schemeClr val="tx1"/>
           </a:solidFill>
@@ -2731,16 +2732,16 @@
           <a:cs typeface="+mn-cs"/>
         </a:defRPr>
       </a:lvl2pPr>
-      <a:lvl3pPr marL="1187234" indent="-237447" algn="l" defTabSz="949787" rtl="0" eaLnBrk="1" latinLnBrk="0" hangingPunct="1">
+      <a:lvl3pPr marL="1523962" indent="-304792" algn="l" defTabSz="1219170" rtl="0" eaLnBrk="1" latinLnBrk="0" hangingPunct="1">
         <a:lnSpc>
           <a:spcPct val="90000"/>
         </a:lnSpc>
         <a:spcBef>
-          <a:spcPts val="519"/>
+          <a:spcPts val="667"/>
         </a:spcBef>
         <a:buFont typeface="Arial" panose="020B0604020202020204" pitchFamily="34" charset="0"/>
         <a:buChar char="•"/>
-        <a:defRPr sz="2077" kern="1200">
+        <a:defRPr sz="2667" kern="1200">
           <a:solidFill>
             <a:schemeClr val="tx1"/>
           </a:solidFill>
@@ -2749,16 +2750,16 @@
           <a:cs typeface="+mn-cs"/>
         </a:defRPr>
       </a:lvl3pPr>
-      <a:lvl4pPr marL="1662128" indent="-237447" algn="l" defTabSz="949787" rtl="0" eaLnBrk="1" latinLnBrk="0" hangingPunct="1">
+      <a:lvl4pPr marL="2133547" indent="-304792" algn="l" defTabSz="1219170" rtl="0" eaLnBrk="1" latinLnBrk="0" hangingPunct="1">
         <a:lnSpc>
           <a:spcPct val="90000"/>
         </a:lnSpc>
         <a:spcBef>
-          <a:spcPts val="519"/>
+          <a:spcPts val="667"/>
         </a:spcBef>
         <a:buFont typeface="Arial" panose="020B0604020202020204" pitchFamily="34" charset="0"/>
         <a:buChar char="•"/>
-        <a:defRPr sz="1870" kern="1200">
+        <a:defRPr sz="2400" kern="1200">
           <a:solidFill>
             <a:schemeClr val="tx1"/>
           </a:solidFill>
@@ -2767,16 +2768,16 @@
           <a:cs typeface="+mn-cs"/>
         </a:defRPr>
       </a:lvl4pPr>
-      <a:lvl5pPr marL="2137021" indent="-237447" algn="l" defTabSz="949787" rtl="0" eaLnBrk="1" latinLnBrk="0" hangingPunct="1">
+      <a:lvl5pPr marL="2743131" indent="-304792" algn="l" defTabSz="1219170" rtl="0" eaLnBrk="1" latinLnBrk="0" hangingPunct="1">
         <a:lnSpc>
           <a:spcPct val="90000"/>
         </a:lnSpc>
         <a:spcBef>
-          <a:spcPts val="519"/>
+          <a:spcPts val="667"/>
         </a:spcBef>
         <a:buFont typeface="Arial" panose="020B0604020202020204" pitchFamily="34" charset="0"/>
         <a:buChar char="•"/>
-        <a:defRPr sz="1870" kern="1200">
+        <a:defRPr sz="2400" kern="1200">
           <a:solidFill>
             <a:schemeClr val="tx1"/>
           </a:solidFill>
@@ -2785,16 +2786,16 @@
           <a:cs typeface="+mn-cs"/>
         </a:defRPr>
       </a:lvl5pPr>
-      <a:lvl6pPr marL="2611915" indent="-237447" algn="l" defTabSz="949787" rtl="0" eaLnBrk="1" latinLnBrk="0" hangingPunct="1">
+      <a:lvl6pPr marL="3352716" indent="-304792" algn="l" defTabSz="1219170" rtl="0" eaLnBrk="1" latinLnBrk="0" hangingPunct="1">
         <a:lnSpc>
           <a:spcPct val="90000"/>
         </a:lnSpc>
         <a:spcBef>
-          <a:spcPts val="519"/>
+          <a:spcPts val="667"/>
         </a:spcBef>
         <a:buFont typeface="Arial" panose="020B0604020202020204" pitchFamily="34" charset="0"/>
         <a:buChar char="•"/>
-        <a:defRPr sz="1870" kern="1200">
+        <a:defRPr sz="2400" kern="1200">
           <a:solidFill>
             <a:schemeClr val="tx1"/>
           </a:solidFill>
@@ -2803,16 +2804,16 @@
           <a:cs typeface="+mn-cs"/>
         </a:defRPr>
       </a:lvl6pPr>
-      <a:lvl7pPr marL="3086809" indent="-237447" algn="l" defTabSz="949787" rtl="0" eaLnBrk="1" latinLnBrk="0" hangingPunct="1">
+      <a:lvl7pPr marL="3962301" indent="-304792" algn="l" defTabSz="1219170" rtl="0" eaLnBrk="1" latinLnBrk="0" hangingPunct="1">
         <a:lnSpc>
           <a:spcPct val="90000"/>
         </a:lnSpc>
         <a:spcBef>
-          <a:spcPts val="519"/>
+          <a:spcPts val="667"/>
         </a:spcBef>
         <a:buFont typeface="Arial" panose="020B0604020202020204" pitchFamily="34" charset="0"/>
         <a:buChar char="•"/>
-        <a:defRPr sz="1870" kern="1200">
+        <a:defRPr sz="2400" kern="1200">
           <a:solidFill>
             <a:schemeClr val="tx1"/>
           </a:solidFill>
@@ -2821,16 +2822,16 @@
           <a:cs typeface="+mn-cs"/>
         </a:defRPr>
       </a:lvl7pPr>
-      <a:lvl8pPr marL="3561702" indent="-237447" algn="l" defTabSz="949787" rtl="0" eaLnBrk="1" latinLnBrk="0" hangingPunct="1">
+      <a:lvl8pPr marL="4571886" indent="-304792" algn="l" defTabSz="1219170" rtl="0" eaLnBrk="1" latinLnBrk="0" hangingPunct="1">
         <a:lnSpc>
           <a:spcPct val="90000"/>
         </a:lnSpc>
         <a:spcBef>
-          <a:spcPts val="519"/>
+          <a:spcPts val="667"/>
         </a:spcBef>
         <a:buFont typeface="Arial" panose="020B0604020202020204" pitchFamily="34" charset="0"/>
         <a:buChar char="•"/>
-        <a:defRPr sz="1870" kern="1200">
+        <a:defRPr sz="2400" kern="1200">
           <a:solidFill>
             <a:schemeClr val="tx1"/>
           </a:solidFill>
@@ -2839,16 +2840,16 @@
           <a:cs typeface="+mn-cs"/>
         </a:defRPr>
       </a:lvl8pPr>
-      <a:lvl9pPr marL="4036596" indent="-237447" algn="l" defTabSz="949787" rtl="0" eaLnBrk="1" latinLnBrk="0" hangingPunct="1">
+      <a:lvl9pPr marL="5181470" indent="-304792" algn="l" defTabSz="1219170" rtl="0" eaLnBrk="1" latinLnBrk="0" hangingPunct="1">
         <a:lnSpc>
           <a:spcPct val="90000"/>
         </a:lnSpc>
         <a:spcBef>
-          <a:spcPts val="519"/>
+          <a:spcPts val="667"/>
         </a:spcBef>
         <a:buFont typeface="Arial" panose="020B0604020202020204" pitchFamily="34" charset="0"/>
         <a:buChar char="•"/>
-        <a:defRPr sz="1870" kern="1200">
+        <a:defRPr sz="2400" kern="1200">
           <a:solidFill>
             <a:schemeClr val="tx1"/>
           </a:solidFill>
@@ -2862,8 +2863,8 @@
       <a:defPPr>
         <a:defRPr lang="en-US"/>
       </a:defPPr>
-      <a:lvl1pPr marL="0" algn="l" defTabSz="949787" rtl="0" eaLnBrk="1" latinLnBrk="0" hangingPunct="1">
-        <a:defRPr sz="1870" kern="1200">
+      <a:lvl1pPr marL="0" algn="l" defTabSz="1219170" rtl="0" eaLnBrk="1" latinLnBrk="0" hangingPunct="1">
+        <a:defRPr sz="2400" kern="1200">
           <a:solidFill>
             <a:schemeClr val="tx1"/>
           </a:solidFill>
@@ -2872,8 +2873,8 @@
           <a:cs typeface="+mn-cs"/>
         </a:defRPr>
       </a:lvl1pPr>
-      <a:lvl2pPr marL="474894" algn="l" defTabSz="949787" rtl="0" eaLnBrk="1" latinLnBrk="0" hangingPunct="1">
-        <a:defRPr sz="1870" kern="1200">
+      <a:lvl2pPr marL="609585" algn="l" defTabSz="1219170" rtl="0" eaLnBrk="1" latinLnBrk="0" hangingPunct="1">
+        <a:defRPr sz="2400" kern="1200">
           <a:solidFill>
             <a:schemeClr val="tx1"/>
           </a:solidFill>
@@ -2882,8 +2883,8 @@
           <a:cs typeface="+mn-cs"/>
         </a:defRPr>
       </a:lvl2pPr>
-      <a:lvl3pPr marL="949787" algn="l" defTabSz="949787" rtl="0" eaLnBrk="1" latinLnBrk="0" hangingPunct="1">
-        <a:defRPr sz="1870" kern="1200">
+      <a:lvl3pPr marL="1219170" algn="l" defTabSz="1219170" rtl="0" eaLnBrk="1" latinLnBrk="0" hangingPunct="1">
+        <a:defRPr sz="2400" kern="1200">
           <a:solidFill>
             <a:schemeClr val="tx1"/>
           </a:solidFill>
@@ -2892,8 +2893,8 @@
           <a:cs typeface="+mn-cs"/>
         </a:defRPr>
       </a:lvl3pPr>
-      <a:lvl4pPr marL="1424681" algn="l" defTabSz="949787" rtl="0" eaLnBrk="1" latinLnBrk="0" hangingPunct="1">
-        <a:defRPr sz="1870" kern="1200">
+      <a:lvl4pPr marL="1828754" algn="l" defTabSz="1219170" rtl="0" eaLnBrk="1" latinLnBrk="0" hangingPunct="1">
+        <a:defRPr sz="2400" kern="1200">
           <a:solidFill>
             <a:schemeClr val="tx1"/>
           </a:solidFill>
@@ -2902,8 +2903,8 @@
           <a:cs typeface="+mn-cs"/>
         </a:defRPr>
       </a:lvl4pPr>
-      <a:lvl5pPr marL="1899575" algn="l" defTabSz="949787" rtl="0" eaLnBrk="1" latinLnBrk="0" hangingPunct="1">
-        <a:defRPr sz="1870" kern="1200">
+      <a:lvl5pPr marL="2438339" algn="l" defTabSz="1219170" rtl="0" eaLnBrk="1" latinLnBrk="0" hangingPunct="1">
+        <a:defRPr sz="2400" kern="1200">
           <a:solidFill>
             <a:schemeClr val="tx1"/>
           </a:solidFill>
@@ -2912,8 +2913,8 @@
           <a:cs typeface="+mn-cs"/>
         </a:defRPr>
       </a:lvl5pPr>
-      <a:lvl6pPr marL="2374468" algn="l" defTabSz="949787" rtl="0" eaLnBrk="1" latinLnBrk="0" hangingPunct="1">
-        <a:defRPr sz="1870" kern="1200">
+      <a:lvl6pPr marL="3047924" algn="l" defTabSz="1219170" rtl="0" eaLnBrk="1" latinLnBrk="0" hangingPunct="1">
+        <a:defRPr sz="2400" kern="1200">
           <a:solidFill>
             <a:schemeClr val="tx1"/>
           </a:solidFill>
@@ -2922,8 +2923,8 @@
           <a:cs typeface="+mn-cs"/>
         </a:defRPr>
       </a:lvl6pPr>
-      <a:lvl7pPr marL="2849362" algn="l" defTabSz="949787" rtl="0" eaLnBrk="1" latinLnBrk="0" hangingPunct="1">
-        <a:defRPr sz="1870" kern="1200">
+      <a:lvl7pPr marL="3657509" algn="l" defTabSz="1219170" rtl="0" eaLnBrk="1" latinLnBrk="0" hangingPunct="1">
+        <a:defRPr sz="2400" kern="1200">
           <a:solidFill>
             <a:schemeClr val="tx1"/>
           </a:solidFill>
@@ -2932,8 +2933,8 @@
           <a:cs typeface="+mn-cs"/>
         </a:defRPr>
       </a:lvl7pPr>
-      <a:lvl8pPr marL="3324255" algn="l" defTabSz="949787" rtl="0" eaLnBrk="1" latinLnBrk="0" hangingPunct="1">
-        <a:defRPr sz="1870" kern="1200">
+      <a:lvl8pPr marL="4267093" algn="l" defTabSz="1219170" rtl="0" eaLnBrk="1" latinLnBrk="0" hangingPunct="1">
+        <a:defRPr sz="2400" kern="1200">
           <a:solidFill>
             <a:schemeClr val="tx1"/>
           </a:solidFill>
@@ -2942,8 +2943,8 @@
           <a:cs typeface="+mn-cs"/>
         </a:defRPr>
       </a:lvl8pPr>
-      <a:lvl9pPr marL="3799149" algn="l" defTabSz="949787" rtl="0" eaLnBrk="1" latinLnBrk="0" hangingPunct="1">
-        <a:defRPr sz="1870" kern="1200">
+      <a:lvl9pPr marL="4876678" algn="l" defTabSz="1219170" rtl="0" eaLnBrk="1" latinLnBrk="0" hangingPunct="1">
+        <a:defRPr sz="2400" kern="1200">
           <a:solidFill>
             <a:schemeClr val="tx1"/>
           </a:solidFill>
@@ -2995,7 +2996,7 @@
         </p:blipFill>
         <p:spPr>
           <a:xfrm>
-            <a:off x="0" y="0"/>
+            <a:off x="1" y="1010445"/>
             <a:ext cx="16514763" cy="7123113"/>
           </a:xfrm>
           <a:prstGeom prst="rect">
@@ -3017,7 +3018,7 @@
         </p:nvSpPr>
         <p:spPr>
           <a:xfrm>
-            <a:off x="-138474" y="4467167"/>
+            <a:off x="-138474" y="5477611"/>
             <a:ext cx="16791709" cy="964276"/>
           </a:xfrm>
           <a:prstGeom prst="rect">
@@ -3086,7 +3087,7 @@
         </p:nvSpPr>
         <p:spPr>
           <a:xfrm>
-            <a:off x="11610109" y="4859943"/>
+            <a:off x="11610109" y="5870387"/>
             <a:ext cx="3581400" cy="1143000"/>
           </a:xfrm>
           <a:prstGeom prst="roundRect">
@@ -3187,7 +3188,7 @@
         </p:blipFill>
         <p:spPr>
           <a:xfrm>
-            <a:off x="0" y="0"/>
+            <a:off x="1" y="1010445"/>
             <a:ext cx="16514763" cy="7123113"/>
           </a:xfrm>
           <a:prstGeom prst="rect">
@@ -3209,7 +3210,7 @@
         </p:nvSpPr>
         <p:spPr>
           <a:xfrm>
-            <a:off x="-138474" y="5431443"/>
+            <a:off x="-138474" y="6441887"/>
             <a:ext cx="16791709" cy="964276"/>
           </a:xfrm>
           <a:prstGeom prst="rect">
@@ -3278,7 +3279,7 @@
         </p:nvSpPr>
         <p:spPr>
           <a:xfrm>
-            <a:off x="11920352" y="5431443"/>
+            <a:off x="11920352" y="6441887"/>
             <a:ext cx="3581400" cy="1143000"/>
           </a:xfrm>
           <a:prstGeom prst="roundRect">
@@ -3341,63 +3342,324 @@
 </p:sld>
 </file>
 
+<file path=ppt/slides/slide3.xml><?xml version="1.0" encoding="utf-8"?>
+<p:sld xmlns:a="http://schemas.openxmlformats.org/drawingml/2006/main" xmlns:r="http://schemas.openxmlformats.org/officeDocument/2006/relationships" xmlns:p="http://schemas.openxmlformats.org/presentationml/2006/main">
+  <p:cSld>
+    <p:spTree>
+      <p:nvGrpSpPr>
+        <p:cNvPr id="1" name=""/>
+        <p:cNvGrpSpPr/>
+        <p:nvPr/>
+      </p:nvGrpSpPr>
+      <p:grpSpPr>
+        <a:xfrm>
+          <a:off x="0" y="0"/>
+          <a:ext cx="0" cy="0"/>
+          <a:chOff x="0" y="0"/>
+          <a:chExt cx="0" cy="0"/>
+        </a:xfrm>
+      </p:grpSpPr>
+      <p:pic>
+        <p:nvPicPr>
+          <p:cNvPr id="9" name="Picture 8">
+            <a:extLst>
+              <a:ext uri="{FF2B5EF4-FFF2-40B4-BE49-F238E27FC236}">
+                <a16:creationId xmlns:a16="http://schemas.microsoft.com/office/drawing/2014/main" id="{B414A0FB-9DEE-414D-AC92-4757D5FFBA7D}"/>
+              </a:ext>
+            </a:extLst>
+          </p:cNvPr>
+          <p:cNvPicPr>
+            <a:picLocks noChangeAspect="1"/>
+          </p:cNvPicPr>
+          <p:nvPr/>
+        </p:nvPicPr>
+        <p:blipFill rotWithShape="1">
+          <a:blip r:embed="rId2"/>
+          <a:srcRect l="3846" t="-851" b="-851"/>
+          <a:stretch/>
+        </p:blipFill>
+        <p:spPr>
+          <a:xfrm>
+            <a:off x="0" y="-160020"/>
+            <a:ext cx="16514762" cy="9509760"/>
+          </a:xfrm>
+          <a:prstGeom prst="rect">
+            <a:avLst/>
+          </a:prstGeom>
+        </p:spPr>
+      </p:pic>
+      <p:sp>
+        <p:nvSpPr>
+          <p:cNvPr id="5" name="Rounded Rectangle 4">
+            <a:extLst>
+              <a:ext uri="{FF2B5EF4-FFF2-40B4-BE49-F238E27FC236}">
+                <a16:creationId xmlns:a16="http://schemas.microsoft.com/office/drawing/2014/main" id="{B4FB21BC-98AC-EC4D-9DB8-E3751C229237}"/>
+              </a:ext>
+            </a:extLst>
+          </p:cNvPr>
+          <p:cNvSpPr/>
+          <p:nvPr/>
+        </p:nvSpPr>
+        <p:spPr>
+          <a:xfrm>
+            <a:off x="9364980" y="7652608"/>
+            <a:ext cx="3581400" cy="1143000"/>
+          </a:xfrm>
+          <a:prstGeom prst="roundRect">
+            <a:avLst/>
+          </a:prstGeom>
+          <a:solidFill>
+            <a:srgbClr val="40AC48"/>
+          </a:solidFill>
+          <a:ln w="28575">
+            <a:solidFill>
+              <a:schemeClr val="bg1"/>
+            </a:solidFill>
+          </a:ln>
+          <a:effectLst>
+            <a:outerShdw blurRad="50800" dist="38100" dir="2700000" algn="tl" rotWithShape="0">
+              <a:prstClr val="black">
+                <a:alpha val="40000"/>
+              </a:prstClr>
+            </a:outerShdw>
+          </a:effectLst>
+        </p:spPr>
+        <p:style>
+          <a:lnRef idx="2">
+            <a:schemeClr val="dk1">
+              <a:shade val="50000"/>
+            </a:schemeClr>
+          </a:lnRef>
+          <a:fillRef idx="1">
+            <a:schemeClr val="dk1"/>
+          </a:fillRef>
+          <a:effectRef idx="0">
+            <a:schemeClr val="dk1"/>
+          </a:effectRef>
+          <a:fontRef idx="minor">
+            <a:schemeClr val="lt1"/>
+          </a:fontRef>
+        </p:style>
+        <p:txBody>
+          <a:bodyPr rtlCol="0" anchor="ctr"/>
+          <a:lstStyle/>
+          <a:p>
+            <a:pPr algn="ctr"/>
+            <a:r>
+              <a:rPr lang="en-US" sz="3600" b="1" dirty="0"/>
+              <a:t>REGISTER</a:t>
+            </a:r>
+          </a:p>
+        </p:txBody>
+      </p:sp>
+      <p:sp>
+        <p:nvSpPr>
+          <p:cNvPr id="2" name="TextBox 1">
+            <a:extLst>
+              <a:ext uri="{FF2B5EF4-FFF2-40B4-BE49-F238E27FC236}">
+                <a16:creationId xmlns:a16="http://schemas.microsoft.com/office/drawing/2014/main" id="{F73103E7-02C1-C84B-92F3-82B3933B2C72}"/>
+              </a:ext>
+            </a:extLst>
+          </p:cNvPr>
+          <p:cNvSpPr txBox="1"/>
+          <p:nvPr/>
+        </p:nvSpPr>
+        <p:spPr>
+          <a:xfrm>
+            <a:off x="1188720" y="5380047"/>
+            <a:ext cx="10469880" cy="1569660"/>
+          </a:xfrm>
+          <a:prstGeom prst="rect">
+            <a:avLst/>
+          </a:prstGeom>
+          <a:noFill/>
+        </p:spPr>
+        <p:txBody>
+          <a:bodyPr wrap="square" rtlCol="0">
+            <a:spAutoFit/>
+          </a:bodyPr>
+          <a:lstStyle/>
+          <a:p>
+            <a:r>
+              <a:rPr lang="en-US" sz="4800" b="1" i="1" spc="100" dirty="0">
+                <a:latin typeface="Avenir Next" panose="020B0503020202020204" pitchFamily="34" charset="0"/>
+              </a:rPr>
+              <a:t>		BUILD NEW SKILLS,</a:t>
+            </a:r>
+          </a:p>
+          <a:p>
+            <a:r>
+              <a:rPr lang="en-US" sz="4800" b="1" i="1" spc="100" dirty="0">
+                <a:latin typeface="Avenir Next" panose="020B0503020202020204" pitchFamily="34" charset="0"/>
+              </a:rPr>
+              <a:t>LAUNCH A DIGITAL CAREER!</a:t>
+            </a:r>
+          </a:p>
+        </p:txBody>
+      </p:sp>
+      <p:sp>
+        <p:nvSpPr>
+          <p:cNvPr id="6" name="TextBox 5">
+            <a:extLst>
+              <a:ext uri="{FF2B5EF4-FFF2-40B4-BE49-F238E27FC236}">
+                <a16:creationId xmlns:a16="http://schemas.microsoft.com/office/drawing/2014/main" id="{A45138B1-FF9F-0F4F-AE51-87B05E98833F}"/>
+              </a:ext>
+            </a:extLst>
+          </p:cNvPr>
+          <p:cNvSpPr txBox="1"/>
+          <p:nvPr/>
+        </p:nvSpPr>
+        <p:spPr>
+          <a:xfrm>
+            <a:off x="685800" y="6840528"/>
+            <a:ext cx="10469880" cy="523220"/>
+          </a:xfrm>
+          <a:prstGeom prst="rect">
+            <a:avLst/>
+          </a:prstGeom>
+          <a:noFill/>
+        </p:spPr>
+        <p:txBody>
+          <a:bodyPr wrap="square" rtlCol="0">
+            <a:spAutoFit/>
+          </a:bodyPr>
+          <a:lstStyle/>
+          <a:p>
+            <a:r>
+              <a:rPr lang="en-US" sz="2800" b="1" i="1" spc="100" dirty="0">
+                <a:solidFill>
+                  <a:srgbClr val="40AC48"/>
+                </a:solidFill>
+                <a:latin typeface="Avenir Next" panose="020B0503020202020204" pitchFamily="34" charset="0"/>
+              </a:rPr>
+              <a:t>Women in Technology – SCF Career Builder Series</a:t>
+            </a:r>
+          </a:p>
+        </p:txBody>
+      </p:sp>
+      <p:sp>
+        <p:nvSpPr>
+          <p:cNvPr id="8" name="TextBox 7">
+            <a:extLst>
+              <a:ext uri="{FF2B5EF4-FFF2-40B4-BE49-F238E27FC236}">
+                <a16:creationId xmlns:a16="http://schemas.microsoft.com/office/drawing/2014/main" id="{756AA25B-77B1-D245-9103-EEF1E18AD2E1}"/>
+              </a:ext>
+            </a:extLst>
+          </p:cNvPr>
+          <p:cNvSpPr txBox="1"/>
+          <p:nvPr/>
+        </p:nvSpPr>
+        <p:spPr>
+          <a:xfrm>
+            <a:off x="685800" y="7595279"/>
+            <a:ext cx="10469880" cy="1200329"/>
+          </a:xfrm>
+          <a:prstGeom prst="rect">
+            <a:avLst/>
+          </a:prstGeom>
+          <a:noFill/>
+        </p:spPr>
+        <p:txBody>
+          <a:bodyPr wrap="square" rtlCol="0">
+            <a:spAutoFit/>
+          </a:bodyPr>
+          <a:lstStyle/>
+          <a:p>
+            <a:pPr marL="571500" indent="-571500">
+              <a:buFont typeface="Wingdings" pitchFamily="2" charset="2"/>
+              <a:buChar char="ü"/>
+            </a:pPr>
+            <a:r>
+              <a:rPr lang="en-US" sz="3600" b="1" i="1" spc="100" dirty="0">
+                <a:latin typeface="Avenir Next" panose="020B0503020202020204" pitchFamily="34" charset="0"/>
+              </a:rPr>
+              <a:t>Learn remote working skills</a:t>
+            </a:r>
+          </a:p>
+          <a:p>
+            <a:pPr marL="571500" indent="-571500">
+              <a:buFont typeface="Wingdings" pitchFamily="2" charset="2"/>
+              <a:buChar char="ü"/>
+            </a:pPr>
+            <a:r>
+              <a:rPr lang="en-US" sz="3600" b="1" i="1" spc="100" dirty="0">
+                <a:latin typeface="Avenir Next" panose="020B0503020202020204" pitchFamily="34" charset="0"/>
+              </a:rPr>
+              <a:t>Create a winning resume</a:t>
+            </a:r>
+          </a:p>
+        </p:txBody>
+      </p:sp>
+    </p:spTree>
+    <p:extLst>
+      <p:ext uri="{BB962C8B-B14F-4D97-AF65-F5344CB8AC3E}">
+        <p14:creationId xmlns:p14="http://schemas.microsoft.com/office/powerpoint/2010/main" val="569445337"/>
+      </p:ext>
+    </p:extLst>
+  </p:cSld>
+  <p:clrMapOvr>
+    <a:masterClrMapping/>
+  </p:clrMapOvr>
+</p:sld>
+</file>
+
 <file path=ppt/theme/theme1.xml><?xml version="1.0" encoding="utf-8"?>
 <a:theme xmlns:a="http://schemas.openxmlformats.org/drawingml/2006/main" name="Office Theme">
   <a:themeElements>
-    <a:clrScheme name="Custom 3">
+    <a:clrScheme name="Office Theme">
       <a:dk1>
-        <a:srgbClr val="233B5B"/>
+        <a:sysClr val="windowText" lastClr="000000"/>
       </a:dk1>
       <a:lt1>
-        <a:srgbClr val="FFFFFF"/>
+        <a:sysClr val="window" lastClr="FFFFFF"/>
       </a:lt1>
       <a:dk2>
-        <a:srgbClr val="2182A4"/>
+        <a:srgbClr val="44546A"/>
       </a:dk2>
       <a:lt2>
-        <a:srgbClr val="F0F5FA"/>
+        <a:srgbClr val="E7E6E6"/>
       </a:lt2>
       <a:accent1>
-        <a:srgbClr val="2182A4"/>
+        <a:srgbClr val="4472C4"/>
       </a:accent1>
       <a:accent2>
-        <a:srgbClr val="233B5B"/>
+        <a:srgbClr val="ED7D31"/>
       </a:accent2>
       <a:accent3>
-        <a:srgbClr val="607D8B"/>
+        <a:srgbClr val="A5A5A5"/>
       </a:accent3>
       <a:accent4>
-        <a:srgbClr val="CFD8DC"/>
+        <a:srgbClr val="FFC000"/>
       </a:accent4>
       <a:accent5>
-        <a:srgbClr val="ECEFF1"/>
+        <a:srgbClr val="5B9BD5"/>
       </a:accent5>
       <a:accent6>
-        <a:srgbClr val="2382A3"/>
+        <a:srgbClr val="70AD47"/>
       </a:accent6>
       <a:hlink>
-        <a:srgbClr val="0190EA"/>
+        <a:srgbClr val="0563C1"/>
       </a:hlink>
       <a:folHlink>
-        <a:srgbClr val="233B5B"/>
+        <a:srgbClr val="954F72"/>
       </a:folHlink>
     </a:clrScheme>
-    <a:fontScheme name="Arial">
+    <a:fontScheme name="Office Theme">
       <a:majorFont>
-        <a:latin typeface="Arial" panose="020B0604020202020204"/>
+        <a:latin typeface="Calibri Light" panose="020F0302020204030204"/>
         <a:ea typeface=""/>
         <a:cs typeface=""/>
-        <a:font script="Jpan" typeface="ＭＳ Ｐゴシック"/>
-        <a:font script="Hang" typeface="굴림"/>
-        <a:font script="Hans" typeface="黑体"/>
-        <a:font script="Hant" typeface="微軟正黑體"/>
-        <a:font script="Arab" typeface="Arial"/>
-        <a:font script="Hebr" typeface="Arial"/>
-        <a:font script="Thai" typeface="Cordia New"/>
+        <a:font script="Jpan" typeface="游ゴシック Light"/>
+        <a:font script="Hang" typeface="맑은 고딕"/>
+        <a:font script="Hans" typeface="等线 Light"/>
+        <a:font script="Hant" typeface="新細明體"/>
+        <a:font script="Arab" typeface="Times New Roman"/>
+        <a:font script="Hebr" typeface="Times New Roman"/>
+        <a:font script="Thai" typeface="Angsana New"/>
         <a:font script="Ethi" typeface="Nyala"/>
         <a:font script="Beng" typeface="Vrinda"/>
         <a:font script="Gujr" typeface="Shruti"/>
-        <a:font script="Khmr" typeface="DaunPenh"/>
+        <a:font script="Khmr" typeface="MoolBoran"/>
         <a:font script="Knda" typeface="Tunga"/>
         <a:font script="Guru" typeface="Raavi"/>
         <a:font script="Cans" typeface="Euphemia"/>
@@ -3414,18 +3676,18 @@
         <a:font script="Laoo" typeface="DokChampa"/>
         <a:font script="Sinh" typeface="Iskoola Pota"/>
         <a:font script="Mong" typeface="Mongolian Baiti"/>
-        <a:font script="Viet" typeface="Arial"/>
+        <a:font script="Viet" typeface="Times New Roman"/>
         <a:font script="Uigh" typeface="Microsoft Uighur"/>
         <a:font script="Geor" typeface="Sylfaen"/>
       </a:majorFont>
       <a:minorFont>
-        <a:latin typeface="Arial" panose="020B0604020202020204"/>
+        <a:latin typeface="Calibri" panose="020F0502020204030204"/>
         <a:ea typeface=""/>
         <a:cs typeface=""/>
-        <a:font script="Jpan" typeface="ＭＳ Ｐゴシック"/>
-        <a:font script="Hang" typeface="굴림"/>
-        <a:font script="Hans" typeface="黑体"/>
-        <a:font script="Hant" typeface="微軟正黑體"/>
+        <a:font script="Jpan" typeface="游ゴシック"/>
+        <a:font script="Hang" typeface="맑은 고딕"/>
+        <a:font script="Hans" typeface="等线"/>
+        <a:font script="Hant" typeface="新細明體"/>
         <a:font script="Arab" typeface="Arial"/>
         <a:font script="Hebr" typeface="Arial"/>
         <a:font script="Thai" typeface="Cordia New"/>
